--- a/Présentation/presentation.pptx
+++ b/Présentation/presentation.pptx
@@ -5239,7 +5239,7 @@
           </a:lstStyle>
           <a:p>
             <a:r>
-              <a:rPr lang="fr-FR">
+              <a:rPr lang="fr-FR" dirty="0">
                 <a:solidFill>
                   <a:schemeClr val="bg1">
                     <a:lumMod val="65000"/>
@@ -5250,10 +5250,246 @@
               </a:rPr>
               <a:t>Présentation de l'Arduino</a:t>
             </a:r>
-          </a:p>
-          <a:p>
-            <a:r>
-              <a:rPr lang="fr-FR">
+            <a:endParaRPr lang="fr-FR" dirty="0">
+              <a:solidFill>
+                <a:schemeClr val="bg1">
+                  <a:lumMod val="65000"/>
+                </a:schemeClr>
+              </a:solidFill>
+            </a:endParaRPr>
+          </a:p>
+        </p:txBody>
+      </p:sp>
+      <p:sp>
+        <p:nvSpPr>
+          <p:cNvPr id="4" name="Sous-titre 2">
+            <a:extLst>
+              <a:ext uri="{FF2B5EF4-FFF2-40B4-BE49-F238E27FC236}">
+                <a16:creationId xmlns:a16="http://schemas.microsoft.com/office/drawing/2014/main" id="{2CDAA921-CD1C-49AF-9998-769B22BF0C5C}"/>
+              </a:ext>
+            </a:extLst>
+          </p:cNvPr>
+          <p:cNvSpPr txBox="1">
+            <a:spLocks/>
+          </p:cNvSpPr>
+          <p:nvPr/>
+        </p:nvSpPr>
+        <p:spPr>
+          <a:xfrm>
+            <a:off x="1524994" y="2568877"/>
+            <a:ext cx="8937893" cy="3808999"/>
+          </a:xfrm>
+          <a:prstGeom prst="rect">
+            <a:avLst/>
+          </a:prstGeom>
+        </p:spPr>
+        <p:txBody>
+          <a:bodyPr vert="horz" lIns="91440" tIns="45720" rIns="91440" bIns="45720" rtlCol="0" anchor="t">
+            <a:normAutofit/>
+          </a:bodyPr>
+          <a:lstStyle>
+            <a:lvl1pPr marL="228600" indent="-228600" algn="l" defTabSz="914400" rtl="0" eaLnBrk="1" latinLnBrk="0" hangingPunct="1">
+              <a:lnSpc>
+                <a:spcPct val="90000"/>
+              </a:lnSpc>
+              <a:spcBef>
+                <a:spcPts val="1800"/>
+              </a:spcBef>
+              <a:buSzPct val="100000"/>
+              <a:buFont typeface="Arial" pitchFamily="34" charset="0"/>
+              <a:buChar char="▪"/>
+              <a:defRPr sz="2400" kern="1200">
+                <a:solidFill>
+                  <a:schemeClr val="tx1">
+                    <a:lumMod val="75000"/>
+                    <a:lumOff val="25000"/>
+                  </a:schemeClr>
+                </a:solidFill>
+                <a:latin typeface="+mn-lt"/>
+                <a:ea typeface="+mn-ea"/>
+                <a:cs typeface="+mn-cs"/>
+              </a:defRPr>
+            </a:lvl1pPr>
+            <a:lvl2pPr marL="457200" indent="-228600" algn="l" defTabSz="914400" rtl="0" eaLnBrk="1" latinLnBrk="0" hangingPunct="1">
+              <a:lnSpc>
+                <a:spcPct val="90000"/>
+              </a:lnSpc>
+              <a:spcBef>
+                <a:spcPts val="600"/>
+              </a:spcBef>
+              <a:buSzPct val="100000"/>
+              <a:buFont typeface="Arial" pitchFamily="34" charset="0"/>
+              <a:buChar char="▪"/>
+              <a:defRPr sz="2200" kern="1200">
+                <a:solidFill>
+                  <a:schemeClr val="tx1">
+                    <a:lumMod val="75000"/>
+                    <a:lumOff val="25000"/>
+                  </a:schemeClr>
+                </a:solidFill>
+                <a:latin typeface="+mn-lt"/>
+                <a:ea typeface="+mn-ea"/>
+                <a:cs typeface="+mn-cs"/>
+              </a:defRPr>
+            </a:lvl2pPr>
+            <a:lvl3pPr marL="685800" indent="-182880" algn="l" defTabSz="914400" rtl="0" eaLnBrk="1" latinLnBrk="0" hangingPunct="1">
+              <a:lnSpc>
+                <a:spcPct val="90000"/>
+              </a:lnSpc>
+              <a:spcBef>
+                <a:spcPts val="600"/>
+              </a:spcBef>
+              <a:buSzPct val="100000"/>
+              <a:buFont typeface="Arial" pitchFamily="34" charset="0"/>
+              <a:buChar char="▪"/>
+              <a:defRPr sz="2000" kern="1200">
+                <a:solidFill>
+                  <a:schemeClr val="tx1">
+                    <a:lumMod val="75000"/>
+                    <a:lumOff val="25000"/>
+                  </a:schemeClr>
+                </a:solidFill>
+                <a:latin typeface="+mn-lt"/>
+                <a:ea typeface="+mn-ea"/>
+                <a:cs typeface="+mn-cs"/>
+              </a:defRPr>
+            </a:lvl3pPr>
+            <a:lvl4pPr marL="868680" indent="-182563" algn="l" defTabSz="914400" rtl="0" eaLnBrk="1" latinLnBrk="0" hangingPunct="1">
+              <a:lnSpc>
+                <a:spcPct val="90000"/>
+              </a:lnSpc>
+              <a:spcBef>
+                <a:spcPts val="600"/>
+              </a:spcBef>
+              <a:buSzPct val="100000"/>
+              <a:buFont typeface="Arial" pitchFamily="34" charset="0"/>
+              <a:buChar char="▪"/>
+              <a:defRPr sz="1800" kern="1200">
+                <a:solidFill>
+                  <a:schemeClr val="tx1">
+                    <a:lumMod val="75000"/>
+                    <a:lumOff val="25000"/>
+                  </a:schemeClr>
+                </a:solidFill>
+                <a:latin typeface="+mn-lt"/>
+                <a:ea typeface="+mn-ea"/>
+                <a:cs typeface="+mn-cs"/>
+              </a:defRPr>
+            </a:lvl4pPr>
+            <a:lvl5pPr marL="1051560" indent="-182880" algn="l" defTabSz="914400" rtl="0" eaLnBrk="1" latinLnBrk="0" hangingPunct="1">
+              <a:lnSpc>
+                <a:spcPct val="90000"/>
+              </a:lnSpc>
+              <a:spcBef>
+                <a:spcPts val="600"/>
+              </a:spcBef>
+              <a:buSzPct val="100000"/>
+              <a:buFont typeface="Arial" pitchFamily="34" charset="0"/>
+              <a:buChar char="▪"/>
+              <a:defRPr sz="1600" kern="1200">
+                <a:solidFill>
+                  <a:schemeClr val="tx1">
+                    <a:lumMod val="75000"/>
+                    <a:lumOff val="25000"/>
+                  </a:schemeClr>
+                </a:solidFill>
+                <a:latin typeface="+mn-lt"/>
+                <a:ea typeface="+mn-ea"/>
+                <a:cs typeface="+mn-cs"/>
+              </a:defRPr>
+            </a:lvl5pPr>
+            <a:lvl6pPr marL="1234440" indent="-182880" algn="l" defTabSz="914400" rtl="0" eaLnBrk="1" latinLnBrk="0" hangingPunct="1">
+              <a:lnSpc>
+                <a:spcPct val="90000"/>
+              </a:lnSpc>
+              <a:spcBef>
+                <a:spcPts val="400"/>
+              </a:spcBef>
+              <a:buSzPct val="100000"/>
+              <a:buFont typeface="Arial" pitchFamily="34" charset="0"/>
+              <a:buChar char="▪"/>
+              <a:defRPr sz="1600" kern="1200">
+                <a:solidFill>
+                  <a:schemeClr val="tx1">
+                    <a:lumMod val="75000"/>
+                    <a:lumOff val="25000"/>
+                  </a:schemeClr>
+                </a:solidFill>
+                <a:latin typeface="+mn-lt"/>
+                <a:ea typeface="+mn-ea"/>
+                <a:cs typeface="+mn-cs"/>
+              </a:defRPr>
+            </a:lvl6pPr>
+            <a:lvl7pPr marL="1417320" indent="-182880" algn="l" defTabSz="914400" rtl="0" eaLnBrk="1" latinLnBrk="0" hangingPunct="1">
+              <a:lnSpc>
+                <a:spcPct val="90000"/>
+              </a:lnSpc>
+              <a:spcBef>
+                <a:spcPts val="400"/>
+              </a:spcBef>
+              <a:buSzPct val="100000"/>
+              <a:buFont typeface="Arial" pitchFamily="34" charset="0"/>
+              <a:buChar char="▪"/>
+              <a:defRPr sz="1600" kern="1200">
+                <a:solidFill>
+                  <a:schemeClr val="tx1">
+                    <a:lumMod val="75000"/>
+                    <a:lumOff val="25000"/>
+                  </a:schemeClr>
+                </a:solidFill>
+                <a:latin typeface="+mn-lt"/>
+                <a:ea typeface="+mn-ea"/>
+                <a:cs typeface="+mn-cs"/>
+              </a:defRPr>
+            </a:lvl7pPr>
+            <a:lvl8pPr marL="1600200" indent="-182880" algn="l" defTabSz="914400" rtl="0" eaLnBrk="1" latinLnBrk="0" hangingPunct="1">
+              <a:lnSpc>
+                <a:spcPct val="90000"/>
+              </a:lnSpc>
+              <a:spcBef>
+                <a:spcPts val="400"/>
+              </a:spcBef>
+              <a:buSzPct val="100000"/>
+              <a:buFont typeface="Arial" pitchFamily="34" charset="0"/>
+              <a:buChar char="▪"/>
+              <a:defRPr sz="1600" kern="1200">
+                <a:solidFill>
+                  <a:schemeClr val="tx1">
+                    <a:lumMod val="75000"/>
+                    <a:lumOff val="25000"/>
+                  </a:schemeClr>
+                </a:solidFill>
+                <a:latin typeface="+mn-lt"/>
+                <a:ea typeface="+mn-ea"/>
+                <a:cs typeface="+mn-cs"/>
+              </a:defRPr>
+            </a:lvl8pPr>
+            <a:lvl9pPr marL="1783080" indent="-182880" algn="l" defTabSz="914400" rtl="0" eaLnBrk="1" latinLnBrk="0" hangingPunct="1">
+              <a:lnSpc>
+                <a:spcPct val="90000"/>
+              </a:lnSpc>
+              <a:spcBef>
+                <a:spcPts val="400"/>
+              </a:spcBef>
+              <a:buSzPct val="100000"/>
+              <a:buFont typeface="Arial" pitchFamily="34" charset="0"/>
+              <a:buChar char="▪"/>
+              <a:defRPr sz="1600" kern="1200">
+                <a:solidFill>
+                  <a:schemeClr val="tx1">
+                    <a:lumMod val="75000"/>
+                    <a:lumOff val="25000"/>
+                  </a:schemeClr>
+                </a:solidFill>
+                <a:latin typeface="+mn-lt"/>
+                <a:ea typeface="+mn-ea"/>
+                <a:cs typeface="+mn-cs"/>
+              </a:defRPr>
+            </a:lvl9pPr>
+          </a:lstStyle>
+          <a:p>
+            <a:r>
+              <a:rPr lang="fr-FR" dirty="0">
                 <a:solidFill>
                   <a:schemeClr val="bg1">
                     <a:lumMod val="65000"/>
@@ -5263,9 +5499,238 @@
               <a:t>Présentation de l'application</a:t>
             </a:r>
           </a:p>
-          <a:p>
-            <a:r>
-              <a:rPr lang="fr-FR">
+        </p:txBody>
+      </p:sp>
+      <p:sp>
+        <p:nvSpPr>
+          <p:cNvPr id="7" name="Sous-titre 2">
+            <a:extLst>
+              <a:ext uri="{FF2B5EF4-FFF2-40B4-BE49-F238E27FC236}">
+                <a16:creationId xmlns:a16="http://schemas.microsoft.com/office/drawing/2014/main" id="{3ADA1147-FAD6-4EB0-B8C5-926AD8521D8B}"/>
+              </a:ext>
+            </a:extLst>
+          </p:cNvPr>
+          <p:cNvSpPr txBox="1">
+            <a:spLocks/>
+          </p:cNvSpPr>
+          <p:nvPr/>
+        </p:nvSpPr>
+        <p:spPr>
+          <a:xfrm>
+            <a:off x="1524993" y="3140924"/>
+            <a:ext cx="8937893" cy="3808999"/>
+          </a:xfrm>
+          <a:prstGeom prst="rect">
+            <a:avLst/>
+          </a:prstGeom>
+        </p:spPr>
+        <p:txBody>
+          <a:bodyPr vert="horz" lIns="91440" tIns="45720" rIns="91440" bIns="45720" rtlCol="0" anchor="t">
+            <a:normAutofit/>
+          </a:bodyPr>
+          <a:lstStyle>
+            <a:lvl1pPr marL="228600" indent="-228600" algn="l" defTabSz="914400" rtl="0" eaLnBrk="1" latinLnBrk="0" hangingPunct="1">
+              <a:lnSpc>
+                <a:spcPct val="90000"/>
+              </a:lnSpc>
+              <a:spcBef>
+                <a:spcPts val="1800"/>
+              </a:spcBef>
+              <a:buSzPct val="100000"/>
+              <a:buFont typeface="Arial" pitchFamily="34" charset="0"/>
+              <a:buChar char="▪"/>
+              <a:defRPr sz="2400" kern="1200">
+                <a:solidFill>
+                  <a:schemeClr val="tx1">
+                    <a:lumMod val="75000"/>
+                    <a:lumOff val="25000"/>
+                  </a:schemeClr>
+                </a:solidFill>
+                <a:latin typeface="+mn-lt"/>
+                <a:ea typeface="+mn-ea"/>
+                <a:cs typeface="+mn-cs"/>
+              </a:defRPr>
+            </a:lvl1pPr>
+            <a:lvl2pPr marL="457200" indent="-228600" algn="l" defTabSz="914400" rtl="0" eaLnBrk="1" latinLnBrk="0" hangingPunct="1">
+              <a:lnSpc>
+                <a:spcPct val="90000"/>
+              </a:lnSpc>
+              <a:spcBef>
+                <a:spcPts val="600"/>
+              </a:spcBef>
+              <a:buSzPct val="100000"/>
+              <a:buFont typeface="Arial" pitchFamily="34" charset="0"/>
+              <a:buChar char="▪"/>
+              <a:defRPr sz="2200" kern="1200">
+                <a:solidFill>
+                  <a:schemeClr val="tx1">
+                    <a:lumMod val="75000"/>
+                    <a:lumOff val="25000"/>
+                  </a:schemeClr>
+                </a:solidFill>
+                <a:latin typeface="+mn-lt"/>
+                <a:ea typeface="+mn-ea"/>
+                <a:cs typeface="+mn-cs"/>
+              </a:defRPr>
+            </a:lvl2pPr>
+            <a:lvl3pPr marL="685800" indent="-182880" algn="l" defTabSz="914400" rtl="0" eaLnBrk="1" latinLnBrk="0" hangingPunct="1">
+              <a:lnSpc>
+                <a:spcPct val="90000"/>
+              </a:lnSpc>
+              <a:spcBef>
+                <a:spcPts val="600"/>
+              </a:spcBef>
+              <a:buSzPct val="100000"/>
+              <a:buFont typeface="Arial" pitchFamily="34" charset="0"/>
+              <a:buChar char="▪"/>
+              <a:defRPr sz="2000" kern="1200">
+                <a:solidFill>
+                  <a:schemeClr val="tx1">
+                    <a:lumMod val="75000"/>
+                    <a:lumOff val="25000"/>
+                  </a:schemeClr>
+                </a:solidFill>
+                <a:latin typeface="+mn-lt"/>
+                <a:ea typeface="+mn-ea"/>
+                <a:cs typeface="+mn-cs"/>
+              </a:defRPr>
+            </a:lvl3pPr>
+            <a:lvl4pPr marL="868680" indent="-182563" algn="l" defTabSz="914400" rtl="0" eaLnBrk="1" latinLnBrk="0" hangingPunct="1">
+              <a:lnSpc>
+                <a:spcPct val="90000"/>
+              </a:lnSpc>
+              <a:spcBef>
+                <a:spcPts val="600"/>
+              </a:spcBef>
+              <a:buSzPct val="100000"/>
+              <a:buFont typeface="Arial" pitchFamily="34" charset="0"/>
+              <a:buChar char="▪"/>
+              <a:defRPr sz="1800" kern="1200">
+                <a:solidFill>
+                  <a:schemeClr val="tx1">
+                    <a:lumMod val="75000"/>
+                    <a:lumOff val="25000"/>
+                  </a:schemeClr>
+                </a:solidFill>
+                <a:latin typeface="+mn-lt"/>
+                <a:ea typeface="+mn-ea"/>
+                <a:cs typeface="+mn-cs"/>
+              </a:defRPr>
+            </a:lvl4pPr>
+            <a:lvl5pPr marL="1051560" indent="-182880" algn="l" defTabSz="914400" rtl="0" eaLnBrk="1" latinLnBrk="0" hangingPunct="1">
+              <a:lnSpc>
+                <a:spcPct val="90000"/>
+              </a:lnSpc>
+              <a:spcBef>
+                <a:spcPts val="600"/>
+              </a:spcBef>
+              <a:buSzPct val="100000"/>
+              <a:buFont typeface="Arial" pitchFamily="34" charset="0"/>
+              <a:buChar char="▪"/>
+              <a:defRPr sz="1600" kern="1200">
+                <a:solidFill>
+                  <a:schemeClr val="tx1">
+                    <a:lumMod val="75000"/>
+                    <a:lumOff val="25000"/>
+                  </a:schemeClr>
+                </a:solidFill>
+                <a:latin typeface="+mn-lt"/>
+                <a:ea typeface="+mn-ea"/>
+                <a:cs typeface="+mn-cs"/>
+              </a:defRPr>
+            </a:lvl5pPr>
+            <a:lvl6pPr marL="1234440" indent="-182880" algn="l" defTabSz="914400" rtl="0" eaLnBrk="1" latinLnBrk="0" hangingPunct="1">
+              <a:lnSpc>
+                <a:spcPct val="90000"/>
+              </a:lnSpc>
+              <a:spcBef>
+                <a:spcPts val="400"/>
+              </a:spcBef>
+              <a:buSzPct val="100000"/>
+              <a:buFont typeface="Arial" pitchFamily="34" charset="0"/>
+              <a:buChar char="▪"/>
+              <a:defRPr sz="1600" kern="1200">
+                <a:solidFill>
+                  <a:schemeClr val="tx1">
+                    <a:lumMod val="75000"/>
+                    <a:lumOff val="25000"/>
+                  </a:schemeClr>
+                </a:solidFill>
+                <a:latin typeface="+mn-lt"/>
+                <a:ea typeface="+mn-ea"/>
+                <a:cs typeface="+mn-cs"/>
+              </a:defRPr>
+            </a:lvl6pPr>
+            <a:lvl7pPr marL="1417320" indent="-182880" algn="l" defTabSz="914400" rtl="0" eaLnBrk="1" latinLnBrk="0" hangingPunct="1">
+              <a:lnSpc>
+                <a:spcPct val="90000"/>
+              </a:lnSpc>
+              <a:spcBef>
+                <a:spcPts val="400"/>
+              </a:spcBef>
+              <a:buSzPct val="100000"/>
+              <a:buFont typeface="Arial" pitchFamily="34" charset="0"/>
+              <a:buChar char="▪"/>
+              <a:defRPr sz="1600" kern="1200">
+                <a:solidFill>
+                  <a:schemeClr val="tx1">
+                    <a:lumMod val="75000"/>
+                    <a:lumOff val="25000"/>
+                  </a:schemeClr>
+                </a:solidFill>
+                <a:latin typeface="+mn-lt"/>
+                <a:ea typeface="+mn-ea"/>
+                <a:cs typeface="+mn-cs"/>
+              </a:defRPr>
+            </a:lvl7pPr>
+            <a:lvl8pPr marL="1600200" indent="-182880" algn="l" defTabSz="914400" rtl="0" eaLnBrk="1" latinLnBrk="0" hangingPunct="1">
+              <a:lnSpc>
+                <a:spcPct val="90000"/>
+              </a:lnSpc>
+              <a:spcBef>
+                <a:spcPts val="400"/>
+              </a:spcBef>
+              <a:buSzPct val="100000"/>
+              <a:buFont typeface="Arial" pitchFamily="34" charset="0"/>
+              <a:buChar char="▪"/>
+              <a:defRPr sz="1600" kern="1200">
+                <a:solidFill>
+                  <a:schemeClr val="tx1">
+                    <a:lumMod val="75000"/>
+                    <a:lumOff val="25000"/>
+                  </a:schemeClr>
+                </a:solidFill>
+                <a:latin typeface="+mn-lt"/>
+                <a:ea typeface="+mn-ea"/>
+                <a:cs typeface="+mn-cs"/>
+              </a:defRPr>
+            </a:lvl8pPr>
+            <a:lvl9pPr marL="1783080" indent="-182880" algn="l" defTabSz="914400" rtl="0" eaLnBrk="1" latinLnBrk="0" hangingPunct="1">
+              <a:lnSpc>
+                <a:spcPct val="90000"/>
+              </a:lnSpc>
+              <a:spcBef>
+                <a:spcPts val="400"/>
+              </a:spcBef>
+              <a:buSzPct val="100000"/>
+              <a:buFont typeface="Arial" pitchFamily="34" charset="0"/>
+              <a:buChar char="▪"/>
+              <a:defRPr sz="1600" kern="1200">
+                <a:solidFill>
+                  <a:schemeClr val="tx1">
+                    <a:lumMod val="75000"/>
+                    <a:lumOff val="25000"/>
+                  </a:schemeClr>
+                </a:solidFill>
+                <a:latin typeface="+mn-lt"/>
+                <a:ea typeface="+mn-ea"/>
+                <a:cs typeface="+mn-cs"/>
+              </a:defRPr>
+            </a:lvl9pPr>
+          </a:lstStyle>
+          <a:p>
+            <a:r>
+              <a:rPr lang="fr-FR" dirty="0">
                 <a:solidFill>
                   <a:schemeClr val="bg1">
                     <a:lumMod val="65000"/>
@@ -5299,6 +5764,200 @@
       </p:transition>
     </mc:Fallback>
   </mc:AlternateContent>
+  <p:timing>
+    <p:tnLst>
+      <p:par>
+        <p:cTn id="1" dur="indefinite" restart="never" nodeType="tmRoot">
+          <p:childTnLst>
+            <p:seq concurrent="1" nextAc="seek">
+              <p:cTn id="2" dur="indefinite" nodeType="mainSeq">
+                <p:childTnLst>
+                  <p:par>
+                    <p:cTn id="3" fill="hold">
+                      <p:stCondLst>
+                        <p:cond delay="indefinite"/>
+                      </p:stCondLst>
+                      <p:childTnLst>
+                        <p:par>
+                          <p:cTn id="4" fill="hold">
+                            <p:stCondLst>
+                              <p:cond delay="0"/>
+                            </p:stCondLst>
+                            <p:childTnLst>
+                              <p:par>
+                                <p:cTn id="5" presetID="10" presetClass="entr" presetSubtype="0" fill="hold" grpId="0" nodeType="clickEffect">
+                                  <p:stCondLst>
+                                    <p:cond delay="0"/>
+                                  </p:stCondLst>
+                                  <p:childTnLst>
+                                    <p:set>
+                                      <p:cBhvr>
+                                        <p:cTn id="6" dur="1" fill="hold">
+                                          <p:stCondLst>
+                                            <p:cond delay="0"/>
+                                          </p:stCondLst>
+                                        </p:cTn>
+                                        <p:tgtEl>
+                                          <p:spTgt spid="5"/>
+                                        </p:tgtEl>
+                                        <p:attrNameLst>
+                                          <p:attrName>style.visibility</p:attrName>
+                                        </p:attrNameLst>
+                                      </p:cBhvr>
+                                      <p:to>
+                                        <p:strVal val="visible"/>
+                                      </p:to>
+                                    </p:set>
+                                    <p:animEffect transition="in" filter="fade">
+                                      <p:cBhvr>
+                                        <p:cTn id="7" dur="500"/>
+                                        <p:tgtEl>
+                                          <p:spTgt spid="5"/>
+                                        </p:tgtEl>
+                                      </p:cBhvr>
+                                    </p:animEffect>
+                                  </p:childTnLst>
+                                </p:cTn>
+                              </p:par>
+                            </p:childTnLst>
+                          </p:cTn>
+                        </p:par>
+                      </p:childTnLst>
+                    </p:cTn>
+                  </p:par>
+                  <p:par>
+                    <p:cTn id="8" fill="hold">
+                      <p:stCondLst>
+                        <p:cond delay="indefinite"/>
+                      </p:stCondLst>
+                      <p:childTnLst>
+                        <p:par>
+                          <p:cTn id="9" fill="hold">
+                            <p:stCondLst>
+                              <p:cond delay="0"/>
+                            </p:stCondLst>
+                            <p:childTnLst>
+                              <p:par>
+                                <p:cTn id="10" presetID="10" presetClass="entr" presetSubtype="0" fill="hold" grpId="0" nodeType="clickEffect">
+                                  <p:stCondLst>
+                                    <p:cond delay="0"/>
+                                  </p:stCondLst>
+                                  <p:childTnLst>
+                                    <p:set>
+                                      <p:cBhvr>
+                                        <p:cTn id="11" dur="1" fill="hold">
+                                          <p:stCondLst>
+                                            <p:cond delay="0"/>
+                                          </p:stCondLst>
+                                        </p:cTn>
+                                        <p:tgtEl>
+                                          <p:spTgt spid="4"/>
+                                        </p:tgtEl>
+                                        <p:attrNameLst>
+                                          <p:attrName>style.visibility</p:attrName>
+                                        </p:attrNameLst>
+                                      </p:cBhvr>
+                                      <p:to>
+                                        <p:strVal val="visible"/>
+                                      </p:to>
+                                    </p:set>
+                                    <p:animEffect transition="in" filter="fade">
+                                      <p:cBhvr>
+                                        <p:cTn id="12" dur="500"/>
+                                        <p:tgtEl>
+                                          <p:spTgt spid="4"/>
+                                        </p:tgtEl>
+                                      </p:cBhvr>
+                                    </p:animEffect>
+                                  </p:childTnLst>
+                                </p:cTn>
+                              </p:par>
+                            </p:childTnLst>
+                          </p:cTn>
+                        </p:par>
+                      </p:childTnLst>
+                    </p:cTn>
+                  </p:par>
+                  <p:par>
+                    <p:cTn id="13" fill="hold">
+                      <p:stCondLst>
+                        <p:cond delay="indefinite"/>
+                      </p:stCondLst>
+                      <p:childTnLst>
+                        <p:par>
+                          <p:cTn id="14" fill="hold">
+                            <p:stCondLst>
+                              <p:cond delay="0"/>
+                            </p:stCondLst>
+                            <p:childTnLst>
+                              <p:par>
+                                <p:cTn id="15" presetID="10" presetClass="entr" presetSubtype="0" fill="hold" grpId="0" nodeType="clickEffect">
+                                  <p:stCondLst>
+                                    <p:cond delay="0"/>
+                                  </p:stCondLst>
+                                  <p:childTnLst>
+                                    <p:set>
+                                      <p:cBhvr>
+                                        <p:cTn id="16" dur="1" fill="hold">
+                                          <p:stCondLst>
+                                            <p:cond delay="0"/>
+                                          </p:stCondLst>
+                                        </p:cTn>
+                                        <p:tgtEl>
+                                          <p:spTgt spid="7"/>
+                                        </p:tgtEl>
+                                        <p:attrNameLst>
+                                          <p:attrName>style.visibility</p:attrName>
+                                        </p:attrNameLst>
+                                      </p:cBhvr>
+                                      <p:to>
+                                        <p:strVal val="visible"/>
+                                      </p:to>
+                                    </p:set>
+                                    <p:animEffect transition="in" filter="fade">
+                                      <p:cBhvr>
+                                        <p:cTn id="17" dur="500"/>
+                                        <p:tgtEl>
+                                          <p:spTgt spid="7"/>
+                                        </p:tgtEl>
+                                      </p:cBhvr>
+                                    </p:animEffect>
+                                  </p:childTnLst>
+                                </p:cTn>
+                              </p:par>
+                            </p:childTnLst>
+                          </p:cTn>
+                        </p:par>
+                      </p:childTnLst>
+                    </p:cTn>
+                  </p:par>
+                </p:childTnLst>
+              </p:cTn>
+              <p:prevCondLst>
+                <p:cond evt="onPrev" delay="0">
+                  <p:tgtEl>
+                    <p:sldTgt/>
+                  </p:tgtEl>
+                </p:cond>
+              </p:prevCondLst>
+              <p:nextCondLst>
+                <p:cond evt="onNext" delay="0">
+                  <p:tgtEl>
+                    <p:sldTgt/>
+                  </p:tgtEl>
+                </p:cond>
+              </p:nextCondLst>
+            </p:seq>
+          </p:childTnLst>
+        </p:cTn>
+      </p:par>
+    </p:tnLst>
+    <p:bldLst>
+      <p:bldP spid="5" grpId="0"/>
+      <p:bldP spid="4" grpId="0"/>
+      <p:bldP spid="7" grpId="0"/>
+    </p:bldLst>
+  </p:timing>
 </p:sld>
 </file>
 
